--- a/presentation/FINAL - Churn Analysis.pptx
+++ b/presentation/FINAL - Churn Analysis.pptx
@@ -331,15 +331,57 @@
 </p:presentation>
 </file>
 
-<file path=ppt/revisionInfo.xml><?xml version="1.0" encoding="utf-8"?>
-<p1510:revInfo xmlns:a="http://schemas.openxmlformats.org/drawingml/2006/main" xmlns:r="http://schemas.openxmlformats.org/officeDocument/2006/relationships" xmlns:p1510="http://schemas.microsoft.com/office/powerpoint/2015/10/main">
-  <p1510:revLst>
-    <p1510:client id="{0FB718A5-E91A-45D7-8DDA-537D777907DB}" v="30" dt="2021-02-17T19:16:46.675"/>
-    <p1510:client id="{8F822993-F990-4CDB-925A-B8BEF523FDC0}" v="7872" dt="2021-02-18T16:04:06.609"/>
-    <p1510:client id="{D1761837-B7D8-4A68-9C80-125F43141295}" v="308" dt="2021-02-18T14:41:32.472"/>
-    <p1510:client id="{EA3532B1-F264-43FD-A5F6-86B0BDFEA372}" v="59" dt="2021-02-18T02:06:14.096"/>
-  </p1510:revLst>
-</p1510:revInfo>
+<file path=ppt/changesInfos/changesInfo1.xml><?xml version="1.0" encoding="utf-8"?>
+<pc:chgInfo xmlns:a="http://schemas.openxmlformats.org/drawingml/2006/main" xmlns:r="http://schemas.openxmlformats.org/officeDocument/2006/relationships" xmlns:ac="http://schemas.microsoft.com/office/drawing/2013/main/command" xmlns:pc="http://schemas.microsoft.com/office/powerpoint/2013/main/command">
+  <pc:docChgLst>
+    <pc:chgData name="Eunice Worifah" userId="ed2bc1265118212c" providerId="LiveId" clId="{0CF59CBB-F5A5-4640-9591-86077D8EB675}"/>
+    <pc:docChg chg="undo custSel modSld">
+      <pc:chgData name="Eunice Worifah" userId="ed2bc1265118212c" providerId="LiveId" clId="{0CF59CBB-F5A5-4640-9591-86077D8EB675}" dt="2021-02-22T03:28:10.935" v="9" actId="700"/>
+      <pc:docMkLst>
+        <pc:docMk/>
+      </pc:docMkLst>
+      <pc:sldChg chg="delSp modSp mod modClrScheme chgLayout">
+        <pc:chgData name="Eunice Worifah" userId="ed2bc1265118212c" providerId="LiveId" clId="{0CF59CBB-F5A5-4640-9591-86077D8EB675}" dt="2021-02-22T03:28:10.935" v="9" actId="700"/>
+        <pc:sldMkLst>
+          <pc:docMk/>
+          <pc:sldMk cId="915750417" sldId="330"/>
+        </pc:sldMkLst>
+        <pc:spChg chg="mod">
+          <ac:chgData name="Eunice Worifah" userId="ed2bc1265118212c" providerId="LiveId" clId="{0CF59CBB-F5A5-4640-9591-86077D8EB675}" dt="2021-02-22T02:59:17.988" v="5" actId="20577"/>
+          <ac:spMkLst>
+            <pc:docMk/>
+            <pc:sldMk cId="915750417" sldId="330"/>
+            <ac:spMk id="31" creationId="{A1B0240B-0E09-4FD2-BF11-2284D4814C81}"/>
+          </ac:spMkLst>
+        </pc:spChg>
+        <pc:spChg chg="mod">
+          <ac:chgData name="Eunice Worifah" userId="ed2bc1265118212c" providerId="LiveId" clId="{0CF59CBB-F5A5-4640-9591-86077D8EB675}" dt="2021-02-22T03:21:35.372" v="7" actId="20577"/>
+          <ac:spMkLst>
+            <pc:docMk/>
+            <pc:sldMk cId="915750417" sldId="330"/>
+            <ac:spMk id="32" creationId="{8A43528E-B78A-40F2-91DC-50FA8B7A97B6}"/>
+          </ac:spMkLst>
+        </pc:spChg>
+        <pc:spChg chg="del">
+          <ac:chgData name="Eunice Worifah" userId="ed2bc1265118212c" providerId="LiveId" clId="{0CF59CBB-F5A5-4640-9591-86077D8EB675}" dt="2021-02-22T02:15:56.900" v="1" actId="478"/>
+          <ac:spMkLst>
+            <pc:docMk/>
+            <pc:sldMk cId="915750417" sldId="330"/>
+            <ac:spMk id="41" creationId="{48AF326E-1DBA-4452-9116-C22B20403B78}"/>
+          </ac:spMkLst>
+        </pc:spChg>
+        <pc:spChg chg="del">
+          <ac:chgData name="Eunice Worifah" userId="ed2bc1265118212c" providerId="LiveId" clId="{0CF59CBB-F5A5-4640-9591-86077D8EB675}" dt="2021-02-22T02:15:55.148" v="0" actId="478"/>
+          <ac:spMkLst>
+            <pc:docMk/>
+            <pc:sldMk cId="915750417" sldId="330"/>
+            <ac:spMk id="50" creationId="{8F63EDD6-443F-445F-BF5E-2712C1ACD024}"/>
+          </ac:spMkLst>
+        </pc:spChg>
+      </pc:sldChg>
+    </pc:docChg>
+  </pc:docChgLst>
+</pc:chgInfo>
 </file>
 
 <file path=ppt/notesMasters/notesMaster1.xml><?xml version="1.0" encoding="utf-8"?>
@@ -38499,7 +38541,7 @@
                 </a:solidFill>
                 <a:latin typeface="Staatliches" panose="020B0604020202020204" charset="0"/>
               </a:rPr>
-              <a:t>(n=6428)</a:t>
+              <a:t>(n=6450)</a:t>
             </a:r>
           </a:p>
         </p:txBody>
@@ -38542,47 +38584,6 @@
                 <a:latin typeface="Staatliches" panose="020B0604020202020204" charset="0"/>
               </a:rPr>
               <a:t>Model building</a:t>
-            </a:r>
-          </a:p>
-        </p:txBody>
-      </p:sp>
-      <p:sp>
-        <p:nvSpPr>
-          <p:cNvPr id="41" name="TextBox 40">
-            <a:extLst>
-              <a:ext uri="{FF2B5EF4-FFF2-40B4-BE49-F238E27FC236}">
-                <a16:creationId xmlns:a16="http://schemas.microsoft.com/office/drawing/2014/main" id="{48AF326E-1DBA-4452-9116-C22B20403B78}"/>
-              </a:ext>
-            </a:extLst>
-          </p:cNvPr>
-          <p:cNvSpPr txBox="1"/>
-          <p:nvPr/>
-        </p:nvSpPr>
-        <p:spPr>
-          <a:xfrm>
-            <a:off x="6386221" y="4891252"/>
-            <a:ext cx="1500744" cy="261610"/>
-          </a:xfrm>
-          <a:prstGeom prst="rect">
-            <a:avLst/>
-          </a:prstGeom>
-          <a:noFill/>
-        </p:spPr>
-        <p:txBody>
-          <a:bodyPr wrap="square" rtlCol="0">
-            <a:spAutoFit/>
-          </a:bodyPr>
-          <a:lstStyle/>
-          <a:p>
-            <a:pPr algn="ctr"/>
-            <a:r>
-              <a:rPr lang="en-CA" sz="1100" dirty="0">
-                <a:solidFill>
-                  <a:schemeClr val="tx2"/>
-                </a:solidFill>
-                <a:latin typeface="Staatliches" panose="020B0604020202020204" charset="0"/>
-              </a:rPr>
-              <a:t>- pipeline</a:t>
             </a:r>
           </a:p>
         </p:txBody>
@@ -39501,7 +39502,7 @@
                 </a:solidFill>
                 <a:latin typeface="Staatliches" panose="020B0604020202020204" charset="0"/>
               </a:rPr>
-              <a:t>- AUC-ROC: 0.92</a:t>
+              <a:t>- AUC-ROC: 0.91</a:t>
             </a:r>
           </a:p>
         </p:txBody>
@@ -39798,47 +39799,6 @@
           </a:fontRef>
         </p:style>
       </p:cxnSp>
-      <p:sp>
-        <p:nvSpPr>
-          <p:cNvPr id="50" name="TextBox 49">
-            <a:extLst>
-              <a:ext uri="{FF2B5EF4-FFF2-40B4-BE49-F238E27FC236}">
-                <a16:creationId xmlns:a16="http://schemas.microsoft.com/office/drawing/2014/main" id="{8F63EDD6-443F-445F-BF5E-2712C1ACD024}"/>
-              </a:ext>
-            </a:extLst>
-          </p:cNvPr>
-          <p:cNvSpPr txBox="1"/>
-          <p:nvPr/>
-        </p:nvSpPr>
-        <p:spPr>
-          <a:xfrm>
-            <a:off x="4143688" y="4191191"/>
-            <a:ext cx="1500744" cy="261610"/>
-          </a:xfrm>
-          <a:prstGeom prst="rect">
-            <a:avLst/>
-          </a:prstGeom>
-          <a:noFill/>
-        </p:spPr>
-        <p:txBody>
-          <a:bodyPr wrap="square" rtlCol="0">
-            <a:spAutoFit/>
-          </a:bodyPr>
-          <a:lstStyle/>
-          <a:p>
-            <a:pPr algn="ctr"/>
-            <a:r>
-              <a:rPr lang="en-CA" sz="1100" dirty="0">
-                <a:solidFill>
-                  <a:schemeClr val="tx2"/>
-                </a:solidFill>
-                <a:latin typeface="Staatliches" panose="020B0604020202020204" charset="0"/>
-              </a:rPr>
-              <a:t>- pipeline</a:t>
-            </a:r>
-          </a:p>
-        </p:txBody>
-      </p:sp>
       <p:sp>
         <p:nvSpPr>
           <p:cNvPr id="53" name="TextBox 52">
@@ -57795,6 +57755,12 @@
 </file>
 
 <file path=customXml/item2.xml><?xml version="1.0" encoding="utf-8"?>
+<p:properties xmlns:p="http://schemas.microsoft.com/office/2006/metadata/properties" xmlns:xsi="http://www.w3.org/2001/XMLSchema-instance" xmlns:pc="http://schemas.microsoft.com/office/infopath/2007/PartnerControls">
+  <documentManagement/>
+</p:properties>
+</file>
+
+<file path=customXml/item3.xml><?xml version="1.0" encoding="utf-8"?>
 <ct:contentTypeSchema xmlns:ct="http://schemas.microsoft.com/office/2006/metadata/contentType" xmlns:ma="http://schemas.microsoft.com/office/2006/metadata/properties/metaAttributes" ct:_="" ma:_="" ma:contentTypeName="Document" ma:contentTypeID="0x0101006593DFF804DEF348838BD69653ED6E72" ma:contentTypeVersion="2" ma:contentTypeDescription="Create a new document." ma:contentTypeScope="" ma:versionID="3a927d2f66b5a0edd40dd17273a915d9">
   <xsd:schema xmlns:xsd="http://www.w3.org/2001/XMLSchema" xmlns:xs="http://www.w3.org/2001/XMLSchema" xmlns:p="http://schemas.microsoft.com/office/2006/metadata/properties" xmlns:ns2="85b0e8f9-5ac1-4211-afa4-affbc99c3829" targetNamespace="http://schemas.microsoft.com/office/2006/metadata/properties" ma:root="true" ma:fieldsID="018a6002befd52b39dbad0eb225598a1" ns2:_="">
     <xsd:import namespace="85b0e8f9-5ac1-4211-afa4-affbc99c3829"/>
@@ -57926,12 +57892,6 @@
 </ct:contentTypeSchema>
 </file>
 
-<file path=customXml/item3.xml><?xml version="1.0" encoding="utf-8"?>
-<p:properties xmlns:p="http://schemas.microsoft.com/office/2006/metadata/properties" xmlns:xsi="http://www.w3.org/2001/XMLSchema-instance" xmlns:pc="http://schemas.microsoft.com/office/infopath/2007/PartnerControls">
-  <documentManagement/>
-</p:properties>
-</file>
-
 <file path=customXml/itemProps1.xml><?xml version="1.0" encoding="utf-8"?>
 <ds:datastoreItem xmlns:ds="http://schemas.openxmlformats.org/officeDocument/2006/customXml" ds:itemID="{7351CA5D-7D30-44AB-9B6A-E47557ECB770}">
   <ds:schemaRefs>
@@ -57941,6 +57901,22 @@
 </file>
 
 <file path=customXml/itemProps2.xml><?xml version="1.0" encoding="utf-8"?>
+<ds:datastoreItem xmlns:ds="http://schemas.openxmlformats.org/officeDocument/2006/customXml" ds:itemID="{3C184C5F-66FF-4009-B752-2DD3B6CDB5C5}">
+  <ds:schemaRefs>
+    <ds:schemaRef ds:uri="85b0e8f9-5ac1-4211-afa4-affbc99c3829"/>
+    <ds:schemaRef ds:uri="http://purl.org/dc/dcmitype/"/>
+    <ds:schemaRef ds:uri="http://purl.org/dc/elements/1.1/"/>
+    <ds:schemaRef ds:uri="http://purl.org/dc/terms/"/>
+    <ds:schemaRef ds:uri="http://schemas.microsoft.com/office/2006/documentManagement/types"/>
+    <ds:schemaRef ds:uri="http://schemas.microsoft.com/office/2006/metadata/properties"/>
+    <ds:schemaRef ds:uri="http://schemas.microsoft.com/office/infopath/2007/PartnerControls"/>
+    <ds:schemaRef ds:uri="http://schemas.openxmlformats.org/package/2006/metadata/core-properties"/>
+    <ds:schemaRef ds:uri="http://www.w3.org/XML/1998/namespace"/>
+  </ds:schemaRefs>
+</ds:datastoreItem>
+</file>
+
+<file path=customXml/itemProps3.xml><?xml version="1.0" encoding="utf-8"?>
 <ds:datastoreItem xmlns:ds="http://schemas.openxmlformats.org/officeDocument/2006/customXml" ds:itemID="{A4CD293B-116A-4E2E-BFF3-DEDAC8EFF62B}">
   <ds:schemaRefs>
     <ds:schemaRef ds:uri="85b0e8f9-5ac1-4211-afa4-affbc99c3829"/>
@@ -57956,20 +57932,4 @@
     <ds:schemaRef ds:uri="http://www.w3.org/2001/XMLSchema"/>
   </ds:schemaRefs>
 </ds:datastoreItem>
-</file>
-
-<file path=customXml/itemProps3.xml><?xml version="1.0" encoding="utf-8"?>
-<ds:datastoreItem xmlns:ds="http://schemas.openxmlformats.org/officeDocument/2006/customXml" ds:itemID="{3C184C5F-66FF-4009-B752-2DD3B6CDB5C5}">
-  <ds:schemaRefs>
-    <ds:schemaRef ds:uri="85b0e8f9-5ac1-4211-afa4-affbc99c3829"/>
-    <ds:schemaRef ds:uri="http://purl.org/dc/dcmitype/"/>
-    <ds:schemaRef ds:uri="http://purl.org/dc/elements/1.1/"/>
-    <ds:schemaRef ds:uri="http://purl.org/dc/terms/"/>
-    <ds:schemaRef ds:uri="http://schemas.microsoft.com/office/2006/documentManagement/types"/>
-    <ds:schemaRef ds:uri="http://schemas.microsoft.com/office/2006/metadata/properties"/>
-    <ds:schemaRef ds:uri="http://schemas.microsoft.com/office/infopath/2007/PartnerControls"/>
-    <ds:schemaRef ds:uri="http://schemas.openxmlformats.org/package/2006/metadata/core-properties"/>
-    <ds:schemaRef ds:uri="http://www.w3.org/XML/1998/namespace"/>
-  </ds:schemaRefs>
-</ds:datastoreItem>
 </file>
--- a/presentation/FINAL - Churn Analysis.pptx
+++ b/presentation/FINAL - Churn Analysis.pptx
@@ -331,15 +331,38 @@
 </p:presentation>
 </file>
 
+<file path=ppt/revisionInfo.xml><?xml version="1.0" encoding="utf-8"?>
+<p1510:revInfo xmlns:a="http://schemas.openxmlformats.org/drawingml/2006/main" xmlns:r="http://schemas.openxmlformats.org/officeDocument/2006/relationships" xmlns:p1510="http://schemas.microsoft.com/office/powerpoint/2015/10/main">
+  <p1510:revLst>
+    <p1510:client id="{0CF59CBB-F5A5-4640-9591-86077D8EB675}" v="3" dt="2021-02-22T03:36:37.114"/>
+  </p1510:revLst>
+</p1510:revInfo>
+</file>
+
 <file path=ppt/changesInfos/changesInfo1.xml><?xml version="1.0" encoding="utf-8"?>
 <pc:chgInfo xmlns:a="http://schemas.openxmlformats.org/drawingml/2006/main" xmlns:r="http://schemas.openxmlformats.org/officeDocument/2006/relationships" xmlns:ac="http://schemas.microsoft.com/office/drawing/2013/main/command" xmlns:pc="http://schemas.microsoft.com/office/powerpoint/2013/main/command">
   <pc:docChgLst>
     <pc:chgData name="Eunice Worifah" userId="ed2bc1265118212c" providerId="LiveId" clId="{0CF59CBB-F5A5-4640-9591-86077D8EB675}"/>
     <pc:docChg chg="undo custSel modSld">
-      <pc:chgData name="Eunice Worifah" userId="ed2bc1265118212c" providerId="LiveId" clId="{0CF59CBB-F5A5-4640-9591-86077D8EB675}" dt="2021-02-22T03:28:10.935" v="9" actId="700"/>
+      <pc:chgData name="Eunice Worifah" userId="ed2bc1265118212c" providerId="LiveId" clId="{0CF59CBB-F5A5-4640-9591-86077D8EB675}" dt="2021-02-22T03:36:37.112" v="26" actId="20577"/>
       <pc:docMkLst>
         <pc:docMk/>
       </pc:docMkLst>
+      <pc:sldChg chg="modSp mod">
+        <pc:chgData name="Eunice Worifah" userId="ed2bc1265118212c" providerId="LiveId" clId="{0CF59CBB-F5A5-4640-9591-86077D8EB675}" dt="2021-02-22T03:36:37.112" v="26" actId="20577"/>
+        <pc:sldMkLst>
+          <pc:docMk/>
+          <pc:sldMk cId="0" sldId="305"/>
+        </pc:sldMkLst>
+        <pc:spChg chg="mod">
+          <ac:chgData name="Eunice Worifah" userId="ed2bc1265118212c" providerId="LiveId" clId="{0CF59CBB-F5A5-4640-9591-86077D8EB675}" dt="2021-02-22T03:36:37.112" v="26" actId="20577"/>
+          <ac:spMkLst>
+            <pc:docMk/>
+            <pc:sldMk cId="0" sldId="305"/>
+            <ac:spMk id="1950" creationId="{00000000-0000-0000-0000-000000000000}"/>
+          </ac:spMkLst>
+        </pc:spChg>
+      </pc:sldChg>
       <pc:sldChg chg="delSp modSp mod modClrScheme chgLayout">
         <pc:chgData name="Eunice Worifah" userId="ed2bc1265118212c" providerId="LiveId" clId="{0CF59CBB-F5A5-4640-9591-86077D8EB675}" dt="2021-02-22T03:28:10.935" v="9" actId="700"/>
         <pc:sldMkLst>
@@ -49276,9 +49299,72 @@
                 <a:ea typeface="Source Sans Pro"/>
                 <a:cs typeface="Source Sans Pro"/>
                 <a:sym typeface="Source Sans Pro"/>
+                <a:hlinkClick r:id="rId3"/>
               </a:rPr>
               <a:t>https://github.com/McGill-MMA-EnterpriseAnalytics/Churn-Analysis</a:t>
             </a:r>
+            <a:endParaRPr lang="en-CA" sz="1200" dirty="0">
+              <a:solidFill>
+                <a:schemeClr val="dk1"/>
+              </a:solidFill>
+              <a:latin typeface="Source Sans Pro"/>
+              <a:ea typeface="Source Sans Pro"/>
+              <a:cs typeface="Source Sans Pro"/>
+              <a:sym typeface="Source Sans Pro"/>
+            </a:endParaRPr>
+          </a:p>
+          <a:p>
+            <a:pPr lvl="0"/>
+            <a:r>
+              <a:rPr lang="en-CA" sz="1200" dirty="0">
+                <a:solidFill>
+                  <a:schemeClr val="dk1"/>
+                </a:solidFill>
+                <a:latin typeface="Source Sans Pro"/>
+                <a:ea typeface="Source Sans Pro"/>
+                <a:cs typeface="Source Sans Pro"/>
+                <a:sym typeface="Source Sans Pro"/>
+                <a:hlinkClick r:id="rId4"/>
+              </a:rPr>
+              <a:t>https://github.com/euniceworifah</a:t>
+            </a:r>
+            <a:endParaRPr lang="en-CA" sz="1200" dirty="0">
+              <a:solidFill>
+                <a:schemeClr val="dk1"/>
+              </a:solidFill>
+              <a:latin typeface="Source Sans Pro"/>
+              <a:ea typeface="Source Sans Pro"/>
+              <a:cs typeface="Source Sans Pro"/>
+              <a:sym typeface="Source Sans Pro"/>
+            </a:endParaRPr>
+          </a:p>
+          <a:p>
+            <a:pPr lvl="0"/>
+            <a:r>
+              <a:rPr lang="en-CA" sz="1200" dirty="0">
+                <a:solidFill>
+                  <a:schemeClr val="dk1"/>
+                </a:solidFill>
+                <a:latin typeface="Source Sans Pro"/>
+                <a:ea typeface="Source Sans Pro"/>
+                <a:cs typeface="Source Sans Pro"/>
+                <a:sym typeface="Source Sans Pro"/>
+                <a:hlinkClick r:id="rId5"/>
+              </a:rPr>
+              <a:t>https://github.com/mariasohail2</a:t>
+            </a:r>
+            <a:endParaRPr lang="en-CA" sz="1200" dirty="0">
+              <a:solidFill>
+                <a:schemeClr val="dk1"/>
+              </a:solidFill>
+              <a:latin typeface="Source Sans Pro"/>
+              <a:ea typeface="Source Sans Pro"/>
+              <a:cs typeface="Source Sans Pro"/>
+              <a:sym typeface="Source Sans Pro"/>
+            </a:endParaRPr>
+          </a:p>
+          <a:p>
+            <a:pPr lvl="0"/>
             <a:endParaRPr sz="1200" dirty="0">
               <a:solidFill>
                 <a:schemeClr val="dk1"/>
@@ -57755,12 +57841,6 @@
 </file>
 
 <file path=customXml/item2.xml><?xml version="1.0" encoding="utf-8"?>
-<p:properties xmlns:p="http://schemas.microsoft.com/office/2006/metadata/properties" xmlns:xsi="http://www.w3.org/2001/XMLSchema-instance" xmlns:pc="http://schemas.microsoft.com/office/infopath/2007/PartnerControls">
-  <documentManagement/>
-</p:properties>
-</file>
-
-<file path=customXml/item3.xml><?xml version="1.0" encoding="utf-8"?>
 <ct:contentTypeSchema xmlns:ct="http://schemas.microsoft.com/office/2006/metadata/contentType" xmlns:ma="http://schemas.microsoft.com/office/2006/metadata/properties/metaAttributes" ct:_="" ma:_="" ma:contentTypeName="Document" ma:contentTypeID="0x0101006593DFF804DEF348838BD69653ED6E72" ma:contentTypeVersion="2" ma:contentTypeDescription="Create a new document." ma:contentTypeScope="" ma:versionID="3a927d2f66b5a0edd40dd17273a915d9">
   <xsd:schema xmlns:xsd="http://www.w3.org/2001/XMLSchema" xmlns:xs="http://www.w3.org/2001/XMLSchema" xmlns:p="http://schemas.microsoft.com/office/2006/metadata/properties" xmlns:ns2="85b0e8f9-5ac1-4211-afa4-affbc99c3829" targetNamespace="http://schemas.microsoft.com/office/2006/metadata/properties" ma:root="true" ma:fieldsID="018a6002befd52b39dbad0eb225598a1" ns2:_="">
     <xsd:import namespace="85b0e8f9-5ac1-4211-afa4-affbc99c3829"/>
@@ -57892,6 +57972,12 @@
 </ct:contentTypeSchema>
 </file>
 
+<file path=customXml/item3.xml><?xml version="1.0" encoding="utf-8"?>
+<p:properties xmlns:p="http://schemas.microsoft.com/office/2006/metadata/properties" xmlns:xsi="http://www.w3.org/2001/XMLSchema-instance" xmlns:pc="http://schemas.microsoft.com/office/infopath/2007/PartnerControls">
+  <documentManagement/>
+</p:properties>
+</file>
+
 <file path=customXml/itemProps1.xml><?xml version="1.0" encoding="utf-8"?>
 <ds:datastoreItem xmlns:ds="http://schemas.openxmlformats.org/officeDocument/2006/customXml" ds:itemID="{7351CA5D-7D30-44AB-9B6A-E47557ECB770}">
   <ds:schemaRefs>
@@ -57901,22 +57987,6 @@
 </file>
 
 <file path=customXml/itemProps2.xml><?xml version="1.0" encoding="utf-8"?>
-<ds:datastoreItem xmlns:ds="http://schemas.openxmlformats.org/officeDocument/2006/customXml" ds:itemID="{3C184C5F-66FF-4009-B752-2DD3B6CDB5C5}">
-  <ds:schemaRefs>
-    <ds:schemaRef ds:uri="85b0e8f9-5ac1-4211-afa4-affbc99c3829"/>
-    <ds:schemaRef ds:uri="http://purl.org/dc/dcmitype/"/>
-    <ds:schemaRef ds:uri="http://purl.org/dc/elements/1.1/"/>
-    <ds:schemaRef ds:uri="http://purl.org/dc/terms/"/>
-    <ds:schemaRef ds:uri="http://schemas.microsoft.com/office/2006/documentManagement/types"/>
-    <ds:schemaRef ds:uri="http://schemas.microsoft.com/office/2006/metadata/properties"/>
-    <ds:schemaRef ds:uri="http://schemas.microsoft.com/office/infopath/2007/PartnerControls"/>
-    <ds:schemaRef ds:uri="http://schemas.openxmlformats.org/package/2006/metadata/core-properties"/>
-    <ds:schemaRef ds:uri="http://www.w3.org/XML/1998/namespace"/>
-  </ds:schemaRefs>
-</ds:datastoreItem>
-</file>
-
-<file path=customXml/itemProps3.xml><?xml version="1.0" encoding="utf-8"?>
 <ds:datastoreItem xmlns:ds="http://schemas.openxmlformats.org/officeDocument/2006/customXml" ds:itemID="{A4CD293B-116A-4E2E-BFF3-DEDAC8EFF62B}">
   <ds:schemaRefs>
     <ds:schemaRef ds:uri="85b0e8f9-5ac1-4211-afa4-affbc99c3829"/>
@@ -57932,4 +58002,20 @@
     <ds:schemaRef ds:uri="http://www.w3.org/2001/XMLSchema"/>
   </ds:schemaRefs>
 </ds:datastoreItem>
+</file>
+
+<file path=customXml/itemProps3.xml><?xml version="1.0" encoding="utf-8"?>
+<ds:datastoreItem xmlns:ds="http://schemas.openxmlformats.org/officeDocument/2006/customXml" ds:itemID="{3C184C5F-66FF-4009-B752-2DD3B6CDB5C5}">
+  <ds:schemaRefs>
+    <ds:schemaRef ds:uri="85b0e8f9-5ac1-4211-afa4-affbc99c3829"/>
+    <ds:schemaRef ds:uri="http://purl.org/dc/dcmitype/"/>
+    <ds:schemaRef ds:uri="http://purl.org/dc/elements/1.1/"/>
+    <ds:schemaRef ds:uri="http://purl.org/dc/terms/"/>
+    <ds:schemaRef ds:uri="http://schemas.microsoft.com/office/2006/documentManagement/types"/>
+    <ds:schemaRef ds:uri="http://schemas.microsoft.com/office/2006/metadata/properties"/>
+    <ds:schemaRef ds:uri="http://schemas.microsoft.com/office/infopath/2007/PartnerControls"/>
+    <ds:schemaRef ds:uri="http://schemas.openxmlformats.org/package/2006/metadata/core-properties"/>
+    <ds:schemaRef ds:uri="http://www.w3.org/XML/1998/namespace"/>
+  </ds:schemaRefs>
+</ds:datastoreItem>
 </file>